--- a/Syllabus/Lecture07/Lec07.pptx
+++ b/Syllabus/Lecture07/Lec07.pptx
@@ -289,7 +289,7 @@
           <a:p>
             <a:fld id="{DF9C6931-D0F6-AB40-9D7F-95567148A5C2}" type="datetimeFigureOut">
               <a:rPr lang="en-US" smtClean="0"/>
-              <a:t>9/13/22</a:t>
+              <a:t>9/19/22</a:t>
             </a:fld>
             <a:endParaRPr lang="en-US"/>
           </a:p>
@@ -638,7 +638,7 @@
           <a:p>
             <a:fld id="{736C18F2-6801-5147-A332-A6E1C7D69D18}" type="datetimeFigureOut">
               <a:rPr lang="en-US" smtClean="0"/>
-              <a:t>9/13/22</a:t>
+              <a:t>9/19/22</a:t>
             </a:fld>
             <a:endParaRPr lang="en-US"/>
           </a:p>
@@ -42325,6 +42325,14 @@
           </a:bodyPr>
           <a:lstStyle/>
           <a:p>
+            <a:r>
+              <a:rPr lang="en-US" sz="4000" b="1" dirty="0">
+                <a:solidFill>
+                  <a:srgbClr val="E46102"/>
+                </a:solidFill>
+              </a:rPr>
+              <a:t>Slide Credits</a:t>
+            </a:r>
             <a:endParaRPr sz="4000" b="1" dirty="0">
               <a:solidFill>
                 <a:srgbClr val="E46102"/>
@@ -42385,15 +42393,7 @@
             </a:r>
             <a:r>
               <a:rPr lang="en-US" dirty="0"/>
-              <a:t>, and some </a:t>
-            </a:r>
-            <a:r>
-              <a:rPr lang="en-US" dirty="0" err="1"/>
-              <a:t>youtube</a:t>
-            </a:r>
-            <a:r>
-              <a:rPr lang="en-US" dirty="0"/>
-              <a:t> videos!</a:t>
+              <a:t>, and some YouTube videos!</a:t>
             </a:r>
           </a:p>
         </p:txBody>
@@ -42566,20 +42566,12 @@
           <a:lstStyle/>
           <a:p>
             <a:r>
-              <a:rPr lang="en-US" sz="4000" b="1" dirty="0" err="1">
+              <a:rPr lang="en-US" sz="4000" b="1" dirty="0">
                 <a:solidFill>
                   <a:srgbClr val="E46102"/>
                 </a:solidFill>
               </a:rPr>
-              <a:t>Classfication</a:t>
-            </a:r>
-            <a:r>
-              <a:rPr lang="en-US" sz="4000" b="1" dirty="0">
-                <a:solidFill>
-                  <a:srgbClr val="E46102"/>
-                </a:solidFill>
-              </a:rPr>
-              <a:t> Problem</a:t>
+              <a:t>Classification Problem</a:t>
             </a:r>
             <a:endParaRPr sz="4000" b="1" dirty="0">
               <a:solidFill>

--- a/Syllabus/Lecture07/Lec07.pptx
+++ b/Syllabus/Lecture07/Lec07.pptx
@@ -42326,12 +42326,12 @@
           <a:lstStyle/>
           <a:p>
             <a:r>
-              <a:rPr lang="en-US" sz="4000" b="1" dirty="0">
+              <a:rPr lang="en-US" sz="4000" b="1">
                 <a:solidFill>
                   <a:srgbClr val="E46102"/>
                 </a:solidFill>
               </a:rPr>
-              <a:t>Slide Credits</a:t>
+              <a:t>Attributions</a:t>
             </a:r>
             <a:endParaRPr sz="4000" b="1" dirty="0">
               <a:solidFill>

--- a/Syllabus/Lecture07/Lec07.pptx
+++ b/Syllabus/Lecture07/Lec07.pptx
@@ -8561,8 +8561,8 @@
         </p:nvSpPr>
         <p:spPr bwMode="auto">
           <a:xfrm>
-            <a:off x="4317206" y="4634687"/>
-            <a:ext cx="3065463" cy="1625600"/>
+            <a:off x="4610100" y="5632361"/>
+            <a:ext cx="2971800" cy="1200329"/>
           </a:xfrm>
           <a:prstGeom prst="rect">
             <a:avLst/>
@@ -8592,7 +8592,7 @@
           </a:extLst>
         </p:spPr>
         <p:txBody>
-          <a:bodyPr wrap="none">
+          <a:bodyPr wrap="square">
             <a:spAutoFit/>
           </a:bodyPr>
           <a:lstStyle>
@@ -8708,48 +8708,48 @@
           <a:p>
             <a:pPr eaLnBrk="1" hangingPunct="1"/>
             <a:r>
-              <a:rPr lang="sv-SE" altLang="en-US" sz="2400" dirty="0"/>
+              <a:rPr lang="sv-SE" altLang="en-US" sz="1800" dirty="0"/>
               <a:t>Data: &lt;</a:t>
             </a:r>
             <a:r>
-              <a:rPr lang="sv-SE" altLang="en-US" sz="2400" b="1" dirty="0"/>
+              <a:rPr lang="sv-SE" altLang="en-US" sz="1800" b="1" dirty="0"/>
               <a:t>x</a:t>
             </a:r>
             <a:r>
-              <a:rPr lang="sv-SE" altLang="en-US" sz="2400" baseline="-25000" dirty="0"/>
+              <a:rPr lang="sv-SE" altLang="en-US" sz="1800" baseline="-25000" dirty="0"/>
               <a:t>i</a:t>
             </a:r>
             <a:r>
-              <a:rPr lang="sv-SE" altLang="en-US" sz="2400" dirty="0"/>
+              <a:rPr lang="sv-SE" altLang="en-US" sz="1800" dirty="0"/>
               <a:t>,y</a:t>
             </a:r>
             <a:r>
-              <a:rPr lang="sv-SE" altLang="en-US" sz="2400" baseline="-25000" dirty="0"/>
+              <a:rPr lang="sv-SE" altLang="en-US" sz="1800" baseline="-25000" dirty="0"/>
               <a:t>i</a:t>
             </a:r>
             <a:r>
-              <a:rPr lang="sv-SE" altLang="en-US" sz="2400" dirty="0"/>
+              <a:rPr lang="sv-SE" altLang="en-US" sz="1800" dirty="0"/>
               <a:t>&gt;, i=1,..,l</a:t>
             </a:r>
           </a:p>
           <a:p>
             <a:pPr eaLnBrk="1" hangingPunct="1"/>
             <a:r>
-              <a:rPr lang="sv-SE" altLang="en-US" sz="2400" b="1" dirty="0"/>
+              <a:rPr lang="sv-SE" altLang="en-US" sz="1800" b="1" dirty="0"/>
               <a:t>x</a:t>
             </a:r>
             <a:r>
-              <a:rPr lang="sv-SE" altLang="en-US" sz="2400" baseline="-25000" dirty="0"/>
+              <a:rPr lang="sv-SE" altLang="en-US" sz="1800" baseline="-25000" dirty="0"/>
               <a:t>i</a:t>
             </a:r>
             <a:r>
-              <a:rPr lang="sv-SE" altLang="en-US" sz="2400" dirty="0">
+              <a:rPr lang="sv-SE" altLang="en-US" sz="1800" dirty="0">
                 <a:sym typeface="Symbol" panose="05050102010706020507" pitchFamily="18" charset="2"/>
               </a:rPr>
               <a:t>  R</a:t>
             </a:r>
             <a:r>
-              <a:rPr lang="sv-SE" altLang="en-US" sz="2400" baseline="30000" dirty="0">
+              <a:rPr lang="sv-SE" altLang="en-US" sz="1800" baseline="30000" dirty="0">
                 <a:sym typeface="Symbol" panose="05050102010706020507" pitchFamily="18" charset="2"/>
               </a:rPr>
               <a:t>d</a:t>
@@ -8758,31 +8758,31 @@
           <a:p>
             <a:pPr eaLnBrk="1" hangingPunct="1"/>
             <a:r>
-              <a:rPr lang="sv-SE" altLang="en-US" sz="2400" dirty="0"/>
+              <a:rPr lang="sv-SE" altLang="en-US" sz="1800" dirty="0"/>
               <a:t>y</a:t>
             </a:r>
             <a:r>
-              <a:rPr lang="sv-SE" altLang="en-US" sz="2400" baseline="-25000" dirty="0"/>
+              <a:rPr lang="sv-SE" altLang="en-US" sz="1800" baseline="-25000" dirty="0"/>
               <a:t>i</a:t>
             </a:r>
             <a:r>
-              <a:rPr lang="sv-SE" altLang="en-US" sz="2400" dirty="0">
+              <a:rPr lang="sv-SE" altLang="en-US" sz="1800" dirty="0">
                 <a:sym typeface="Symbol" panose="05050102010706020507" pitchFamily="18" charset="2"/>
               </a:rPr>
               <a:t>  </a:t>
             </a:r>
             <a:r>
-              <a:rPr lang="sv-SE" altLang="en-US" sz="2400" dirty="0">
+              <a:rPr lang="sv-SE" altLang="en-US" sz="1800" dirty="0">
                 <a:cs typeface="Tahoma" panose="020B0604030504040204" pitchFamily="34" charset="0"/>
                 <a:sym typeface="Symbol" panose="05050102010706020507" pitchFamily="18" charset="2"/>
               </a:rPr>
               <a:t>{-1,+1}</a:t>
             </a:r>
-            <a:endParaRPr lang="sv-SE" altLang="en-US" sz="2400" dirty="0"/>
+            <a:endParaRPr lang="sv-SE" altLang="en-US" sz="1800" dirty="0"/>
           </a:p>
           <a:p>
             <a:pPr eaLnBrk="1" hangingPunct="1"/>
-            <a:endParaRPr lang="sv-SE" altLang="en-US" sz="2400" dirty="0"/>
+            <a:endParaRPr lang="sv-SE" altLang="en-US" sz="1800" dirty="0"/>
           </a:p>
         </p:txBody>
       </p:sp>
@@ -9384,7 +9384,7 @@
         <p:spPr bwMode="auto">
           <a:xfrm>
             <a:off x="786271" y="1528496"/>
-            <a:ext cx="6420442" cy="1323439"/>
+            <a:ext cx="6420442" cy="1631216"/>
           </a:xfrm>
           <a:prstGeom prst="rect">
             <a:avLst/>
@@ -9552,6 +9552,10 @@
           </a:p>
           <a:p>
             <a:pPr eaLnBrk="1" hangingPunct="1"/>
+            <a:endParaRPr lang="sv-SE" altLang="en-US" sz="2000" dirty="0"/>
+          </a:p>
+          <a:p>
+            <a:pPr eaLnBrk="1" hangingPunct="1"/>
             <a:r>
               <a:rPr lang="sv-SE" altLang="en-US" sz="2000" dirty="0"/>
               <a:t>Can be expressed as </a:t>
@@ -9570,7 +9574,16 @@
               <a:rPr lang="sv-SE" altLang="en-US" sz="2000" dirty="0">
                 <a:cs typeface="Tahoma" panose="020B0604030504040204" pitchFamily="34" charset="0"/>
               </a:rPr>
-              <a:t>+b=0 (equation for a hyperplane)</a:t>
+              <a:t>+b=0 </a:t>
+            </a:r>
+          </a:p>
+          <a:p>
+            <a:pPr eaLnBrk="1" hangingPunct="1"/>
+            <a:r>
+              <a:rPr lang="sv-SE" altLang="en-US" sz="2000" dirty="0">
+                <a:cs typeface="Tahoma" panose="020B0604030504040204" pitchFamily="34" charset="0"/>
+              </a:rPr>
+              <a:t>(equation for a hyperplane)</a:t>
             </a:r>
             <a:endParaRPr lang="sv-SE" altLang="en-US" sz="2000" dirty="0"/>
           </a:p>
@@ -9592,8 +9605,8 @@
         </p:nvSpPr>
         <p:spPr bwMode="auto">
           <a:xfrm>
-            <a:off x="838200" y="3915383"/>
-            <a:ext cx="5386420" cy="1015663"/>
+            <a:off x="1509585" y="4648302"/>
+            <a:ext cx="7380631" cy="400110"/>
           </a:xfrm>
           <a:prstGeom prst="rect">
             <a:avLst/>
@@ -9740,42 +9753,25 @@
             <a:pPr eaLnBrk="1" hangingPunct="1"/>
             <a:r>
               <a:rPr lang="sv-SE" altLang="en-US" sz="2000" dirty="0"/>
-              <a:t>Our aim is to find such a hyperplane  </a:t>
-            </a:r>
-            <a:r>
-              <a:rPr lang="sv-SE" altLang="en-US" sz="2000" u="sng" dirty="0"/>
-              <a:t>f(x)=sign(</a:t>
-            </a:r>
-            <a:r>
-              <a:rPr lang="sv-SE" altLang="en-US" sz="2000" b="1" u="sng" dirty="0"/>
-              <a:t>w</a:t>
-            </a:r>
-            <a:r>
-              <a:rPr lang="sv-SE" altLang="en-US" sz="2000" b="1" u="sng" dirty="0">
-                <a:cs typeface="Tahoma" panose="020B0604030504040204" pitchFamily="34" charset="0"/>
-              </a:rPr>
-              <a:t>*x</a:t>
-            </a:r>
-            <a:r>
-              <a:rPr lang="sv-SE" altLang="en-US" sz="2000" u="sng" dirty="0">
-                <a:cs typeface="Tahoma" panose="020B0604030504040204" pitchFamily="34" charset="0"/>
-              </a:rPr>
-              <a:t>+b),</a:t>
+              <a:t>Our aim is to find such a hyperplane</a:t>
             </a:r>
             <a:r>
               <a:rPr lang="sv-SE" altLang="en-US" sz="2000" dirty="0">
                 <a:cs typeface="Tahoma" panose="020B0604030504040204" pitchFamily="34" charset="0"/>
               </a:rPr>
-              <a:t> that </a:t>
+              <a:t> </a:t>
             </a:r>
-          </a:p>
-          <a:p>
-            <a:pPr eaLnBrk="1" hangingPunct="1"/>
+            <a:r>
+              <a:rPr lang="sv-SE" altLang="en-US" sz="2000" dirty="0" err="1">
+                <a:cs typeface="Tahoma" panose="020B0604030504040204" pitchFamily="34" charset="0"/>
+              </a:rPr>
+              <a:t>correctly</a:t>
+            </a:r>
             <a:r>
               <a:rPr lang="sv-SE" altLang="en-US" sz="2000" dirty="0">
                 <a:cs typeface="Tahoma" panose="020B0604030504040204" pitchFamily="34" charset="0"/>
               </a:rPr>
-              <a:t>correctly classify our data.</a:t>
+              <a:t> classify our data.</a:t>
             </a:r>
           </a:p>
         </p:txBody>
@@ -9949,6 +9945,80 @@
           </a:p>
         </p:txBody>
       </p:sp>
+      <p:pic>
+        <p:nvPicPr>
+          <p:cNvPr id="3" name="Picture 29" descr="txp_fig">
+            <a:extLst>
+              <a:ext uri="{FF2B5EF4-FFF2-40B4-BE49-F238E27FC236}">
+                <a16:creationId xmlns:a16="http://schemas.microsoft.com/office/drawing/2014/main" id="{FDC0DA2F-860B-0B23-79F1-9899D214D73F}"/>
+              </a:ext>
+            </a:extLst>
+          </p:cNvPr>
+          <p:cNvPicPr>
+            <a:picLocks noChangeAspect="1" noChangeArrowheads="1"/>
+          </p:cNvPicPr>
+          <p:nvPr>
+            <p:custDataLst>
+              <p:tags r:id="rId1"/>
+            </p:custDataLst>
+          </p:nvPr>
+        </p:nvPicPr>
+        <p:blipFill>
+          <a:blip r:embed="rId4">
+            <a:extLst>
+              <a:ext uri="{28A0092B-C50C-407E-A947-70E740481C1C}">
+                <a14:useLocalDpi xmlns:a14="http://schemas.microsoft.com/office/drawing/2010/main" val="0"/>
+              </a:ext>
+            </a:extLst>
+          </a:blip>
+          <a:srcRect/>
+          <a:stretch>
+            <a:fillRect/>
+          </a:stretch>
+        </p:blipFill>
+        <p:spPr bwMode="auto">
+          <a:xfrm>
+            <a:off x="9996715" y="2012497"/>
+            <a:ext cx="284163" cy="184150"/>
+          </a:xfrm>
+          <a:prstGeom prst="rect">
+            <a:avLst/>
+          </a:prstGeom>
+          <a:noFill/>
+          <a:ln>
+            <a:noFill/>
+          </a:ln>
+          <a:effectLst/>
+          <a:extLst>
+            <a:ext uri="{909E8E84-426E-40DD-AFC4-6F175D3DCCD1}">
+              <a14:hiddenFill xmlns:a14="http://schemas.microsoft.com/office/drawing/2010/main">
+                <a:solidFill>
+                  <a:schemeClr val="accent1"/>
+                </a:solidFill>
+              </a14:hiddenFill>
+            </a:ext>
+            <a:ext uri="{91240B29-F687-4F45-9708-019B960494DF}">
+              <a14:hiddenLine xmlns:a14="http://schemas.microsoft.com/office/drawing/2010/main" w="9525">
+                <a:solidFill>
+                  <a:schemeClr val="tx1"/>
+                </a:solidFill>
+                <a:miter lim="800000"/>
+                <a:headEnd/>
+                <a:tailEnd/>
+              </a14:hiddenLine>
+            </a:ext>
+            <a:ext uri="{AF507438-7753-43E0-B8FC-AC1667EBCBE1}">
+              <a14:hiddenEffects xmlns:a14="http://schemas.microsoft.com/office/drawing/2010/main">
+                <a:effectLst>
+                  <a:outerShdw dist="35921" dir="2700000" algn="ctr" rotWithShape="0">
+                    <a:schemeClr val="bg2"/>
+                  </a:outerShdw>
+                </a:effectLst>
+              </a14:hiddenEffects>
+            </a:ext>
+          </a:extLst>
+        </p:spPr>
+      </p:pic>
     </p:spTree>
     <p:extLst>
       <p:ext uri="{BB962C8B-B14F-4D97-AF65-F5344CB8AC3E}">
@@ -9995,7 +10065,7 @@
         </p:nvSpPr>
         <p:spPr bwMode="auto">
           <a:xfrm>
-            <a:off x="763291" y="1831867"/>
+            <a:off x="1047750" y="2119764"/>
             <a:ext cx="6474417" cy="2677656"/>
           </a:xfrm>
           <a:prstGeom prst="rect">
@@ -10143,7 +10213,7 @@
             <a:pPr eaLnBrk="1" hangingPunct="1"/>
             <a:r>
               <a:rPr lang="en-US" altLang="en-US" dirty="0"/>
-              <a:t>Objective: Select a `good' hyper-plane using</a:t>
+              <a:t>Objective: Select a `good' hyperplane using</a:t>
             </a:r>
           </a:p>
           <a:p>
@@ -10198,7 +10268,7 @@
             <a:pPr eaLnBrk="1" hangingPunct="1"/>
             <a:r>
               <a:rPr lang="en-US" altLang="en-US" dirty="0"/>
-              <a:t>(ii) Place hyper-plane `far' from data</a:t>
+              <a:t>(ii) Place hyperplane ‘far’ from data</a:t>
             </a:r>
           </a:p>
         </p:txBody>
@@ -20797,23 +20867,7 @@
                   <a:srgbClr val="E46102"/>
                 </a:solidFill>
               </a:rPr>
-              <a:t>The </a:t>
-            </a:r>
-            <a:r>
-              <a:rPr lang="en-US" sz="4000" b="1" dirty="0" err="1">
-                <a:solidFill>
-                  <a:srgbClr val="E46102"/>
-                </a:solidFill>
-              </a:rPr>
-              <a:t>Lagrangian</a:t>
-            </a:r>
-            <a:r>
-              <a:rPr lang="en-US" sz="4000" b="1" dirty="0">
-                <a:solidFill>
-                  <a:srgbClr val="E46102"/>
-                </a:solidFill>
-              </a:rPr>
-              <a:t> Trick</a:t>
+              <a:t>The Lagrangian Trick</a:t>
             </a:r>
             <a:endParaRPr sz="4000" b="1" dirty="0">
               <a:solidFill>
@@ -20992,15 +21046,7 @@
             </a:pPr>
             <a:r>
               <a:rPr lang="en-US" dirty="0"/>
-              <a:t>Reformulate the problem as a </a:t>
-            </a:r>
-            <a:r>
-              <a:rPr lang="en-US" dirty="0" err="1"/>
-              <a:t>Lagrangian</a:t>
-            </a:r>
-            <a:r>
-              <a:rPr lang="en-US" dirty="0"/>
-              <a:t> problem. </a:t>
+              <a:t>Reformulate the problem as a Lagrangian problem. </a:t>
             </a:r>
           </a:p>
           <a:p>
@@ -21017,15 +21063,7 @@
             </a:pPr>
             <a:r>
               <a:rPr lang="en-US" dirty="0"/>
-              <a:t>Constraints replaced by constraints on </a:t>
-            </a:r>
-            <a:r>
-              <a:rPr lang="en-US" dirty="0" err="1"/>
-              <a:t>Lagrangian</a:t>
-            </a:r>
-            <a:r>
-              <a:rPr lang="en-US" dirty="0"/>
-              <a:t> multipliers.</a:t>
+              <a:t>Constraints are replaced by constraints on Lagrangian multipliers.</a:t>
             </a:r>
           </a:p>
           <a:p>
@@ -24450,17 +24488,7 @@
           <a:p>
             <a:r>
               <a:rPr lang="en-US" sz="2800" dirty="0"/>
-              <a:t>	Support Vector Machines (SVM)</a:t>
-            </a:r>
-          </a:p>
-          <a:p>
-            <a:pPr marL="1066785" lvl="1" indent="-457200">
-              <a:buFont typeface="Arial" panose="020B0604020202020204" pitchFamily="34" charset="0"/>
-              <a:buChar char="•"/>
-            </a:pPr>
-            <a:r>
-              <a:rPr lang="en-US" dirty="0"/>
-              <a:t>Theory</a:t>
+              <a:t>	Classification: Support Vector Machines (SVM)</a:t>
             </a:r>
           </a:p>
         </p:txBody>
@@ -30017,11 +30045,26 @@
               <a:buChar char="•"/>
             </a:pPr>
             <a:r>
+              <a:rPr lang="sv-SE" altLang="en-US" dirty="0" err="1">
+                <a:sym typeface="Symbol" panose="05050102010706020507" pitchFamily="18" charset="2"/>
+              </a:rPr>
+              <a:t>Linear</a:t>
+            </a:r>
+            <a:r>
               <a:rPr lang="sv-SE" altLang="en-US" dirty="0">
                 <a:sym typeface="Symbol" panose="05050102010706020507" pitchFamily="18" charset="2"/>
               </a:rPr>
-              <a:t>Linear Kernel</a:t>
+              <a:t> </a:t>
             </a:r>
+            <a:r>
+              <a:rPr lang="sv-SE" altLang="en-US" dirty="0" err="1">
+                <a:sym typeface="Symbol" panose="05050102010706020507" pitchFamily="18" charset="2"/>
+              </a:rPr>
+              <a:t>Kernel</a:t>
+            </a:r>
+            <a:endParaRPr lang="sv-SE" altLang="en-US" dirty="0">
+              <a:sym typeface="Symbol" panose="05050102010706020507" pitchFamily="18" charset="2"/>
+            </a:endParaRPr>
           </a:p>
           <a:p>
             <a:pPr marL="457200" indent="-457200">
@@ -30029,11 +30072,62 @@
               <a:buChar char="•"/>
             </a:pPr>
             <a:r>
-              <a:rPr lang="sv-SE" altLang="en-US" dirty="0">
+              <a:rPr lang="sv-SE" dirty="0" err="1">
                 <a:sym typeface="Symbol" panose="05050102010706020507" pitchFamily="18" charset="2"/>
               </a:rPr>
-              <a:t>Polynomial Kernel</a:t>
+              <a:t>Gaussian</a:t>
             </a:r>
+            <a:r>
+              <a:rPr lang="sv-SE" dirty="0">
+                <a:sym typeface="Symbol" panose="05050102010706020507" pitchFamily="18" charset="2"/>
+              </a:rPr>
+              <a:t> </a:t>
+            </a:r>
+            <a:r>
+              <a:rPr lang="sv-SE" dirty="0" err="1">
+                <a:sym typeface="Symbol" panose="05050102010706020507" pitchFamily="18" charset="2"/>
+              </a:rPr>
+              <a:t>Kernel</a:t>
+            </a:r>
+            <a:r>
+              <a:rPr lang="sv-SE" dirty="0">
+                <a:sym typeface="Symbol" panose="05050102010706020507" pitchFamily="18" charset="2"/>
+              </a:rPr>
+              <a:t>/ </a:t>
+            </a:r>
+            <a:r>
+              <a:rPr lang="sv-SE" dirty="0" err="1">
+                <a:sym typeface="Symbol" panose="05050102010706020507" pitchFamily="18" charset="2"/>
+              </a:rPr>
+              <a:t>Radius</a:t>
+            </a:r>
+            <a:r>
+              <a:rPr lang="sv-SE" dirty="0">
+                <a:sym typeface="Symbol" panose="05050102010706020507" pitchFamily="18" charset="2"/>
+              </a:rPr>
+              <a:t> basis </a:t>
+            </a:r>
+            <a:r>
+              <a:rPr lang="sv-SE" dirty="0" err="1">
+                <a:sym typeface="Symbol" panose="05050102010706020507" pitchFamily="18" charset="2"/>
+              </a:rPr>
+              <a:t>function</a:t>
+            </a:r>
+            <a:r>
+              <a:rPr lang="sv-SE" dirty="0">
+                <a:sym typeface="Symbol" panose="05050102010706020507" pitchFamily="18" charset="2"/>
+              </a:rPr>
+              <a:t> (RBF) </a:t>
+            </a:r>
+            <a:r>
+              <a:rPr lang="sv-SE" dirty="0" err="1">
+                <a:sym typeface="Symbol" panose="05050102010706020507" pitchFamily="18" charset="2"/>
+              </a:rPr>
+              <a:t>kernel</a:t>
+            </a:r>
+            <a:endParaRPr lang="sv-SE" dirty="0">
+              <a:sym typeface="Symbol" panose="05050102010706020507" pitchFamily="18" charset="2"/>
+            </a:endParaRPr>
           </a:p>
           <a:p>
             <a:pPr marL="457200" indent="-457200">
@@ -30041,11 +30135,26 @@
               <a:buChar char="•"/>
             </a:pPr>
             <a:r>
+              <a:rPr lang="sv-SE" dirty="0" err="1">
+                <a:sym typeface="Symbol" panose="05050102010706020507" pitchFamily="18" charset="2"/>
+              </a:rPr>
+              <a:t>Sigmoid</a:t>
+            </a:r>
+            <a:r>
               <a:rPr lang="sv-SE" dirty="0">
                 <a:sym typeface="Symbol" panose="05050102010706020507" pitchFamily="18" charset="2"/>
               </a:rPr>
-              <a:t>Gaussian Kernel/ Radius basis function (RBF) kernel</a:t>
+              <a:t> </a:t>
             </a:r>
+            <a:r>
+              <a:rPr lang="sv-SE" dirty="0" err="1">
+                <a:sym typeface="Symbol" panose="05050102010706020507" pitchFamily="18" charset="2"/>
+              </a:rPr>
+              <a:t>Kernel</a:t>
+            </a:r>
+            <a:endParaRPr lang="sv-SE" altLang="en-US" dirty="0">
+              <a:sym typeface="Symbol" panose="05050102010706020507" pitchFamily="18" charset="2"/>
+            </a:endParaRPr>
           </a:p>
           <a:p>
             <a:pPr marL="457200" indent="-457200">
@@ -30053,12 +30162,26 @@
               <a:buChar char="•"/>
             </a:pPr>
             <a:r>
-              <a:rPr lang="sv-SE" dirty="0">
+              <a:rPr lang="sv-SE" altLang="en-US" dirty="0" err="1">
                 <a:sym typeface="Symbol" panose="05050102010706020507" pitchFamily="18" charset="2"/>
               </a:rPr>
-              <a:t>Sigmoid Kernel</a:t>
+              <a:t>Polynomial</a:t>
             </a:r>
-            <a:endParaRPr lang="en-US" dirty="0"/>
+            <a:r>
+              <a:rPr lang="sv-SE" altLang="en-US" dirty="0">
+                <a:sym typeface="Symbol" panose="05050102010706020507" pitchFamily="18" charset="2"/>
+              </a:rPr>
+              <a:t> </a:t>
+            </a:r>
+            <a:r>
+              <a:rPr lang="sv-SE" altLang="en-US" dirty="0" err="1">
+                <a:sym typeface="Symbol" panose="05050102010706020507" pitchFamily="18" charset="2"/>
+              </a:rPr>
+              <a:t>Kernel</a:t>
+            </a:r>
+            <a:endParaRPr lang="sv-SE" altLang="en-US" dirty="0">
+              <a:sym typeface="Symbol" panose="05050102010706020507" pitchFamily="18" charset="2"/>
+            </a:endParaRPr>
           </a:p>
         </p:txBody>
       </p:sp>
@@ -42326,7 +42449,7 @@
           <a:lstStyle/>
           <a:p>
             <a:r>
-              <a:rPr lang="en-US" sz="4000" b="1">
+              <a:rPr lang="en-US" sz="4000" b="1" dirty="0">
                 <a:solidFill>
                   <a:srgbClr val="E46102"/>
                 </a:solidFill>
@@ -42848,9 +42971,9 @@
         <p:grpSpPr bwMode="auto">
           <a:xfrm>
             <a:off x="2496701" y="2046288"/>
-            <a:ext cx="7121527" cy="3200400"/>
+            <a:ext cx="5764214" cy="3200400"/>
             <a:chOff x="720" y="1584"/>
-            <a:chExt cx="4486" cy="2016"/>
+            <a:chExt cx="3631" cy="2016"/>
           </a:xfrm>
         </p:grpSpPr>
         <p:sp>
@@ -42984,7 +43107,7 @@
           <p:spPr bwMode="auto">
             <a:xfrm>
               <a:off x="4030" y="2287"/>
-              <a:ext cx="1176" cy="252"/>
+              <a:ext cx="321" cy="252"/>
             </a:xfrm>
             <a:prstGeom prst="rect">
               <a:avLst/>
@@ -43033,7 +43156,7 @@
                 <a:rPr lang="en-US" altLang="en-US" sz="2000" dirty="0">
                   <a:latin typeface="Tahoma" panose="020B0604030504040204" pitchFamily="34" charset="0"/>
                 </a:rPr>
-                <a:t>Don’t eat Pizza</a:t>
+                <a:t>+1</a:t>
               </a:r>
             </a:p>
           </p:txBody>
@@ -43055,7 +43178,7 @@
           <p:spPr bwMode="auto">
             <a:xfrm>
               <a:off x="4068" y="2736"/>
-              <a:ext cx="751" cy="252"/>
+              <a:ext cx="263" cy="252"/>
             </a:xfrm>
             <a:prstGeom prst="rect">
               <a:avLst/>
@@ -43104,7 +43227,7 @@
                 <a:rPr lang="en-US" altLang="en-US" sz="2000" dirty="0">
                   <a:latin typeface="Tahoma" panose="020B0604030504040204" pitchFamily="34" charset="0"/>
                 </a:rPr>
-                <a:t>Eat Pizza</a:t>
+                <a:t>-1</a:t>
               </a:r>
             </a:p>
           </p:txBody>
@@ -45199,8 +45322,8 @@
         </p:nvSpPr>
         <p:spPr bwMode="auto">
           <a:xfrm>
-            <a:off x="1009851" y="4008451"/>
-            <a:ext cx="2209800" cy="1920875"/>
+            <a:off x="1226819" y="4222095"/>
+            <a:ext cx="2296090" cy="707886"/>
           </a:xfrm>
           <a:prstGeom prst="rect">
             <a:avLst/>
@@ -45240,7 +45363,7 @@
           </a:extLst>
         </p:spPr>
         <p:txBody>
-          <a:bodyPr>
+          <a:bodyPr wrap="square">
             <a:spAutoFit/>
           </a:bodyPr>
           <a:lstStyle/>
@@ -45260,35 +45383,6 @@
               <a:t>Any of these would be fine..</a:t>
             </a:r>
           </a:p>
-          <a:p>
-            <a:pPr>
-              <a:spcBef>
-                <a:spcPct val="50000"/>
-              </a:spcBef>
-              <a:buClr>
-                <a:schemeClr val="tx1"/>
-              </a:buClr>
-            </a:pPr>
-            <a:endParaRPr lang="en-US" altLang="en-US" sz="2000" dirty="0">
-              <a:latin typeface="Tahoma" panose="020B0604030504040204" pitchFamily="34" charset="0"/>
-            </a:endParaRPr>
-          </a:p>
-          <a:p>
-            <a:pPr>
-              <a:spcBef>
-                <a:spcPct val="50000"/>
-              </a:spcBef>
-              <a:buClr>
-                <a:schemeClr val="tx1"/>
-              </a:buClr>
-            </a:pPr>
-            <a:r>
-              <a:rPr lang="en-US" altLang="en-US" sz="2000" dirty="0">
-                <a:latin typeface="Tahoma" panose="020B0604030504040204" pitchFamily="34" charset="0"/>
-              </a:rPr>
-              <a:t>..but which is best?</a:t>
-            </a:r>
-          </a:p>
         </p:txBody>
       </p:sp>
       <p:sp>
@@ -45307,7 +45401,7 @@
         </p:nvSpPr>
         <p:spPr bwMode="auto">
           <a:xfrm>
-            <a:off x="3497230" y="4359289"/>
+            <a:off x="3478301" y="4003689"/>
             <a:ext cx="3065463" cy="1625600"/>
           </a:xfrm>
           <a:prstGeom prst="rect">
@@ -45631,6 +45725,46 @@
           </a:p>
         </p:txBody>
       </p:sp>
+      <p:sp>
+        <p:nvSpPr>
+          <p:cNvPr id="3" name="TextBox 2">
+            <a:extLst>
+              <a:ext uri="{FF2B5EF4-FFF2-40B4-BE49-F238E27FC236}">
+                <a16:creationId xmlns:a16="http://schemas.microsoft.com/office/drawing/2014/main" id="{0EA6B574-B158-917A-C05E-12E7C9912A43}"/>
+              </a:ext>
+            </a:extLst>
+          </p:cNvPr>
+          <p:cNvSpPr txBox="1"/>
+          <p:nvPr/>
+        </p:nvSpPr>
+        <p:spPr>
+          <a:xfrm>
+            <a:off x="2836836" y="5892368"/>
+            <a:ext cx="3943708" cy="830997"/>
+          </a:xfrm>
+          <a:prstGeom prst="rect">
+            <a:avLst/>
+          </a:prstGeom>
+          <a:noFill/>
+        </p:spPr>
+        <p:txBody>
+          <a:bodyPr wrap="none" rtlCol="0">
+            <a:spAutoFit/>
+          </a:bodyPr>
+          <a:lstStyle/>
+          <a:p>
+            <a:r>
+              <a:rPr lang="en-US" altLang="en-US" sz="2400" dirty="0">
+                <a:latin typeface="Tahoma" panose="020B0604030504040204" pitchFamily="34" charset="0"/>
+              </a:rPr>
+              <a:t>..but which one is the best?</a:t>
+            </a:r>
+          </a:p>
+          <a:p>
+            <a:endParaRPr lang="en-US" dirty="0"/>
+          </a:p>
+        </p:txBody>
+      </p:sp>
     </p:spTree>
     <p:extLst>
       <p:ext uri="{BB962C8B-B14F-4D97-AF65-F5344CB8AC3E}">
@@ -45791,7 +45925,7 @@
               <a:rPr lang="en-US" altLang="en-US" dirty="0">
                 <a:latin typeface="Tahoma" panose="020B0604030504040204" pitchFamily="34" charset="0"/>
               </a:rPr>
-              <a:t> of a linear classifier as the width that the boundary could be increased by before hitting a datapoint.</a:t>
+              <a:t> of a linear classifier as the width that the boundary could be increased by before hitting a data point.</a:t>
             </a:r>
           </a:p>
         </p:txBody>
@@ -46851,7 +46985,7 @@
         </p:nvSpPr>
         <p:spPr bwMode="auto">
           <a:xfrm>
-            <a:off x="4750388" y="4304535"/>
+            <a:off x="6096000" y="4257784"/>
             <a:ext cx="3065463" cy="1625600"/>
           </a:xfrm>
           <a:prstGeom prst="rect">
@@ -47262,8 +47396,8 @@
         </p:nvSpPr>
         <p:spPr bwMode="auto">
           <a:xfrm>
-            <a:off x="8527858" y="2003594"/>
-            <a:ext cx="2743200" cy="3970318"/>
+            <a:off x="5737734" y="1827560"/>
+            <a:ext cx="4188143" cy="2492990"/>
           </a:xfrm>
           <a:prstGeom prst="rect">
             <a:avLst/>
@@ -47303,7 +47437,7 @@
           </a:extLst>
         </p:spPr>
         <p:txBody>
-          <a:bodyPr>
+          <a:bodyPr wrap="square">
             <a:spAutoFit/>
           </a:bodyPr>
           <a:lstStyle/>
@@ -47372,7 +47506,7 @@
         </p:nvSpPr>
         <p:spPr bwMode="auto">
           <a:xfrm>
-            <a:off x="6568883" y="5815182"/>
+            <a:off x="6096000" y="4333984"/>
             <a:ext cx="1758950" cy="381000"/>
           </a:xfrm>
           <a:prstGeom prst="wedgeRectCallout">
@@ -48457,247 +48591,6 @@
       </p:grpSp>
       <p:sp>
         <p:nvSpPr>
-          <p:cNvPr id="88" name="Rectangle 34">
-            <a:extLst>
-              <a:ext uri="{FF2B5EF4-FFF2-40B4-BE49-F238E27FC236}">
-                <a16:creationId xmlns:a16="http://schemas.microsoft.com/office/drawing/2014/main" id="{EDE67931-05A2-4924-AF5A-25E82FA05F01}"/>
-              </a:ext>
-            </a:extLst>
-          </p:cNvPr>
-          <p:cNvSpPr>
-            <a:spLocks noChangeArrowheads="1"/>
-          </p:cNvSpPr>
-          <p:nvPr/>
-        </p:nvSpPr>
-        <p:spPr bwMode="auto">
-          <a:xfrm>
-            <a:off x="4750388" y="4304535"/>
-            <a:ext cx="3065463" cy="1625600"/>
-          </a:xfrm>
-          <a:prstGeom prst="rect">
-            <a:avLst/>
-          </a:prstGeom>
-          <a:noFill/>
-          <a:ln>
-            <a:noFill/>
-          </a:ln>
-          <a:extLst>
-            <a:ext uri="{909E8E84-426E-40DD-AFC4-6F175D3DCCD1}">
-              <a14:hiddenFill xmlns:a14="http://schemas.microsoft.com/office/drawing/2010/main">
-                <a:solidFill>
-                  <a:srgbClr val="FFFFFF"/>
-                </a:solidFill>
-              </a14:hiddenFill>
-            </a:ext>
-            <a:ext uri="{91240B29-F687-4F45-9708-019B960494DF}">
-              <a14:hiddenLine xmlns:a14="http://schemas.microsoft.com/office/drawing/2010/main" w="9525">
-                <a:solidFill>
-                  <a:srgbClr val="000000"/>
-                </a:solidFill>
-                <a:miter lim="800000"/>
-                <a:headEnd/>
-                <a:tailEnd/>
-              </a14:hiddenLine>
-            </a:ext>
-          </a:extLst>
-        </p:spPr>
-        <p:txBody>
-          <a:bodyPr wrap="none">
-            <a:spAutoFit/>
-          </a:bodyPr>
-          <a:lstStyle>
-            <a:lvl1pPr eaLnBrk="0" hangingPunct="0">
-              <a:defRPr>
-                <a:solidFill>
-                  <a:schemeClr val="tx1"/>
-                </a:solidFill>
-                <a:latin typeface="Tahoma" panose="020B0604030504040204" pitchFamily="34" charset="0"/>
-              </a:defRPr>
-            </a:lvl1pPr>
-            <a:lvl2pPr marL="742950" indent="-285750" eaLnBrk="0" hangingPunct="0">
-              <a:defRPr>
-                <a:solidFill>
-                  <a:schemeClr val="tx1"/>
-                </a:solidFill>
-                <a:latin typeface="Tahoma" panose="020B0604030504040204" pitchFamily="34" charset="0"/>
-              </a:defRPr>
-            </a:lvl2pPr>
-            <a:lvl3pPr marL="1143000" indent="-228600" eaLnBrk="0" hangingPunct="0">
-              <a:defRPr>
-                <a:solidFill>
-                  <a:schemeClr val="tx1"/>
-                </a:solidFill>
-                <a:latin typeface="Tahoma" panose="020B0604030504040204" pitchFamily="34" charset="0"/>
-              </a:defRPr>
-            </a:lvl3pPr>
-            <a:lvl4pPr marL="1600200" indent="-228600" eaLnBrk="0" hangingPunct="0">
-              <a:defRPr>
-                <a:solidFill>
-                  <a:schemeClr val="tx1"/>
-                </a:solidFill>
-                <a:latin typeface="Tahoma" panose="020B0604030504040204" pitchFamily="34" charset="0"/>
-              </a:defRPr>
-            </a:lvl4pPr>
-            <a:lvl5pPr marL="2057400" indent="-228600" eaLnBrk="0" hangingPunct="0">
-              <a:defRPr>
-                <a:solidFill>
-                  <a:schemeClr val="tx1"/>
-                </a:solidFill>
-                <a:latin typeface="Tahoma" panose="020B0604030504040204" pitchFamily="34" charset="0"/>
-              </a:defRPr>
-            </a:lvl5pPr>
-            <a:lvl6pPr marL="2514600" indent="-228600" eaLnBrk="0" fontAlgn="base" hangingPunct="0">
-              <a:lnSpc>
-                <a:spcPct val="90000"/>
-              </a:lnSpc>
-              <a:spcBef>
-                <a:spcPct val="20000"/>
-              </a:spcBef>
-              <a:spcAft>
-                <a:spcPct val="0"/>
-              </a:spcAft>
-              <a:defRPr>
-                <a:solidFill>
-                  <a:schemeClr val="tx1"/>
-                </a:solidFill>
-                <a:latin typeface="Tahoma" panose="020B0604030504040204" pitchFamily="34" charset="0"/>
-              </a:defRPr>
-            </a:lvl6pPr>
-            <a:lvl7pPr marL="2971800" indent="-228600" eaLnBrk="0" fontAlgn="base" hangingPunct="0">
-              <a:lnSpc>
-                <a:spcPct val="90000"/>
-              </a:lnSpc>
-              <a:spcBef>
-                <a:spcPct val="20000"/>
-              </a:spcBef>
-              <a:spcAft>
-                <a:spcPct val="0"/>
-              </a:spcAft>
-              <a:defRPr>
-                <a:solidFill>
-                  <a:schemeClr val="tx1"/>
-                </a:solidFill>
-                <a:latin typeface="Tahoma" panose="020B0604030504040204" pitchFamily="34" charset="0"/>
-              </a:defRPr>
-            </a:lvl7pPr>
-            <a:lvl8pPr marL="3429000" indent="-228600" eaLnBrk="0" fontAlgn="base" hangingPunct="0">
-              <a:lnSpc>
-                <a:spcPct val="90000"/>
-              </a:lnSpc>
-              <a:spcBef>
-                <a:spcPct val="20000"/>
-              </a:spcBef>
-              <a:spcAft>
-                <a:spcPct val="0"/>
-              </a:spcAft>
-              <a:defRPr>
-                <a:solidFill>
-                  <a:schemeClr val="tx1"/>
-                </a:solidFill>
-                <a:latin typeface="Tahoma" panose="020B0604030504040204" pitchFamily="34" charset="0"/>
-              </a:defRPr>
-            </a:lvl8pPr>
-            <a:lvl9pPr marL="3886200" indent="-228600" eaLnBrk="0" fontAlgn="base" hangingPunct="0">
-              <a:lnSpc>
-                <a:spcPct val="90000"/>
-              </a:lnSpc>
-              <a:spcBef>
-                <a:spcPct val="20000"/>
-              </a:spcBef>
-              <a:spcAft>
-                <a:spcPct val="0"/>
-              </a:spcAft>
-              <a:defRPr>
-                <a:solidFill>
-                  <a:schemeClr val="tx1"/>
-                </a:solidFill>
-                <a:latin typeface="Tahoma" panose="020B0604030504040204" pitchFamily="34" charset="0"/>
-              </a:defRPr>
-            </a:lvl9pPr>
-          </a:lstStyle>
-          <a:p>
-            <a:pPr eaLnBrk="1" hangingPunct="1"/>
-            <a:r>
-              <a:rPr lang="sv-SE" altLang="en-US" sz="2400" dirty="0"/>
-              <a:t>Data: &lt;</a:t>
-            </a:r>
-            <a:r>
-              <a:rPr lang="sv-SE" altLang="en-US" sz="2400" b="1" dirty="0"/>
-              <a:t>x</a:t>
-            </a:r>
-            <a:r>
-              <a:rPr lang="sv-SE" altLang="en-US" sz="2400" baseline="-25000" dirty="0"/>
-              <a:t>i</a:t>
-            </a:r>
-            <a:r>
-              <a:rPr lang="sv-SE" altLang="en-US" sz="2400" dirty="0"/>
-              <a:t>,y</a:t>
-            </a:r>
-            <a:r>
-              <a:rPr lang="sv-SE" altLang="en-US" sz="2400" baseline="-25000" dirty="0"/>
-              <a:t>i</a:t>
-            </a:r>
-            <a:r>
-              <a:rPr lang="sv-SE" altLang="en-US" sz="2400" dirty="0"/>
-              <a:t>&gt;, i=1,..,l</a:t>
-            </a:r>
-          </a:p>
-          <a:p>
-            <a:pPr eaLnBrk="1" hangingPunct="1"/>
-            <a:r>
-              <a:rPr lang="sv-SE" altLang="en-US" sz="2400" b="1" dirty="0"/>
-              <a:t>x</a:t>
-            </a:r>
-            <a:r>
-              <a:rPr lang="sv-SE" altLang="en-US" sz="2400" baseline="-25000" dirty="0"/>
-              <a:t>i</a:t>
-            </a:r>
-            <a:r>
-              <a:rPr lang="sv-SE" altLang="en-US" sz="2400" dirty="0">
-                <a:sym typeface="Symbol" panose="05050102010706020507" pitchFamily="18" charset="2"/>
-              </a:rPr>
-              <a:t>  R</a:t>
-            </a:r>
-            <a:r>
-              <a:rPr lang="sv-SE" altLang="en-US" sz="2400" baseline="30000" dirty="0">
-                <a:sym typeface="Symbol" panose="05050102010706020507" pitchFamily="18" charset="2"/>
-              </a:rPr>
-              <a:t>d</a:t>
-            </a:r>
-          </a:p>
-          <a:p>
-            <a:pPr eaLnBrk="1" hangingPunct="1"/>
-            <a:r>
-              <a:rPr lang="sv-SE" altLang="en-US" sz="2400" dirty="0"/>
-              <a:t>y</a:t>
-            </a:r>
-            <a:r>
-              <a:rPr lang="sv-SE" altLang="en-US" sz="2400" baseline="-25000" dirty="0"/>
-              <a:t>i</a:t>
-            </a:r>
-            <a:r>
-              <a:rPr lang="sv-SE" altLang="en-US" sz="2400" dirty="0">
-                <a:sym typeface="Symbol" panose="05050102010706020507" pitchFamily="18" charset="2"/>
-              </a:rPr>
-              <a:t>  </a:t>
-            </a:r>
-            <a:r>
-              <a:rPr lang="sv-SE" altLang="en-US" sz="2400" dirty="0">
-                <a:cs typeface="Tahoma" panose="020B0604030504040204" pitchFamily="34" charset="0"/>
-                <a:sym typeface="Symbol" panose="05050102010706020507" pitchFamily="18" charset="2"/>
-              </a:rPr>
-              <a:t>{-1,+1}</a:t>
-            </a:r>
-            <a:endParaRPr lang="sv-SE" altLang="en-US" sz="2400" dirty="0"/>
-          </a:p>
-          <a:p>
-            <a:pPr eaLnBrk="1" hangingPunct="1"/>
-            <a:endParaRPr lang="sv-SE" altLang="en-US" sz="2400" dirty="0"/>
-          </a:p>
-        </p:txBody>
-      </p:sp>
-      <p:sp>
-        <p:nvSpPr>
           <p:cNvPr id="91" name="Rectangle 90">
             <a:extLst>
               <a:ext uri="{FF2B5EF4-FFF2-40B4-BE49-F238E27FC236}">
@@ -49731,8 +49624,8 @@
         </p:nvSpPr>
         <p:spPr bwMode="auto">
           <a:xfrm>
-            <a:off x="8527858" y="2003594"/>
-            <a:ext cx="2743200" cy="3970318"/>
+            <a:off x="8327833" y="2003594"/>
+            <a:ext cx="3248017" cy="2862322"/>
           </a:xfrm>
           <a:prstGeom prst="rect">
             <a:avLst/>
@@ -49772,7 +49665,7 @@
           </a:extLst>
         </p:spPr>
         <p:txBody>
-          <a:bodyPr>
+          <a:bodyPr wrap="square">
             <a:spAutoFit/>
           </a:bodyPr>
           <a:lstStyle/>
@@ -49841,7 +49734,7 @@
         </p:nvSpPr>
         <p:spPr bwMode="auto">
           <a:xfrm>
-            <a:off x="6568883" y="5815182"/>
+            <a:off x="6589288" y="4938537"/>
             <a:ext cx="1758950" cy="381000"/>
           </a:xfrm>
           <a:prstGeom prst="wedgeRectCallout">
@@ -50882,247 +50775,6 @@
           </p:txBody>
         </p:sp>
       </p:grpSp>
-      <p:sp>
-        <p:nvSpPr>
-          <p:cNvPr id="88" name="Rectangle 34">
-            <a:extLst>
-              <a:ext uri="{FF2B5EF4-FFF2-40B4-BE49-F238E27FC236}">
-                <a16:creationId xmlns:a16="http://schemas.microsoft.com/office/drawing/2014/main" id="{EDE67931-05A2-4924-AF5A-25E82FA05F01}"/>
-              </a:ext>
-            </a:extLst>
-          </p:cNvPr>
-          <p:cNvSpPr>
-            <a:spLocks noChangeArrowheads="1"/>
-          </p:cNvSpPr>
-          <p:nvPr/>
-        </p:nvSpPr>
-        <p:spPr bwMode="auto">
-          <a:xfrm>
-            <a:off x="4750388" y="4304535"/>
-            <a:ext cx="3065463" cy="1625600"/>
-          </a:xfrm>
-          <a:prstGeom prst="rect">
-            <a:avLst/>
-          </a:prstGeom>
-          <a:noFill/>
-          <a:ln>
-            <a:noFill/>
-          </a:ln>
-          <a:extLst>
-            <a:ext uri="{909E8E84-426E-40DD-AFC4-6F175D3DCCD1}">
-              <a14:hiddenFill xmlns:a14="http://schemas.microsoft.com/office/drawing/2010/main">
-                <a:solidFill>
-                  <a:srgbClr val="FFFFFF"/>
-                </a:solidFill>
-              </a14:hiddenFill>
-            </a:ext>
-            <a:ext uri="{91240B29-F687-4F45-9708-019B960494DF}">
-              <a14:hiddenLine xmlns:a14="http://schemas.microsoft.com/office/drawing/2010/main" w="9525">
-                <a:solidFill>
-                  <a:srgbClr val="000000"/>
-                </a:solidFill>
-                <a:miter lim="800000"/>
-                <a:headEnd/>
-                <a:tailEnd/>
-              </a14:hiddenLine>
-            </a:ext>
-          </a:extLst>
-        </p:spPr>
-        <p:txBody>
-          <a:bodyPr wrap="none">
-            <a:spAutoFit/>
-          </a:bodyPr>
-          <a:lstStyle>
-            <a:lvl1pPr eaLnBrk="0" hangingPunct="0">
-              <a:defRPr>
-                <a:solidFill>
-                  <a:schemeClr val="tx1"/>
-                </a:solidFill>
-                <a:latin typeface="Tahoma" panose="020B0604030504040204" pitchFamily="34" charset="0"/>
-              </a:defRPr>
-            </a:lvl1pPr>
-            <a:lvl2pPr marL="742950" indent="-285750" eaLnBrk="0" hangingPunct="0">
-              <a:defRPr>
-                <a:solidFill>
-                  <a:schemeClr val="tx1"/>
-                </a:solidFill>
-                <a:latin typeface="Tahoma" panose="020B0604030504040204" pitchFamily="34" charset="0"/>
-              </a:defRPr>
-            </a:lvl2pPr>
-            <a:lvl3pPr marL="1143000" indent="-228600" eaLnBrk="0" hangingPunct="0">
-              <a:defRPr>
-                <a:solidFill>
-                  <a:schemeClr val="tx1"/>
-                </a:solidFill>
-                <a:latin typeface="Tahoma" panose="020B0604030504040204" pitchFamily="34" charset="0"/>
-              </a:defRPr>
-            </a:lvl3pPr>
-            <a:lvl4pPr marL="1600200" indent="-228600" eaLnBrk="0" hangingPunct="0">
-              <a:defRPr>
-                <a:solidFill>
-                  <a:schemeClr val="tx1"/>
-                </a:solidFill>
-                <a:latin typeface="Tahoma" panose="020B0604030504040204" pitchFamily="34" charset="0"/>
-              </a:defRPr>
-            </a:lvl4pPr>
-            <a:lvl5pPr marL="2057400" indent="-228600" eaLnBrk="0" hangingPunct="0">
-              <a:defRPr>
-                <a:solidFill>
-                  <a:schemeClr val="tx1"/>
-                </a:solidFill>
-                <a:latin typeface="Tahoma" panose="020B0604030504040204" pitchFamily="34" charset="0"/>
-              </a:defRPr>
-            </a:lvl5pPr>
-            <a:lvl6pPr marL="2514600" indent="-228600" eaLnBrk="0" fontAlgn="base" hangingPunct="0">
-              <a:lnSpc>
-                <a:spcPct val="90000"/>
-              </a:lnSpc>
-              <a:spcBef>
-                <a:spcPct val="20000"/>
-              </a:spcBef>
-              <a:spcAft>
-                <a:spcPct val="0"/>
-              </a:spcAft>
-              <a:defRPr>
-                <a:solidFill>
-                  <a:schemeClr val="tx1"/>
-                </a:solidFill>
-                <a:latin typeface="Tahoma" panose="020B0604030504040204" pitchFamily="34" charset="0"/>
-              </a:defRPr>
-            </a:lvl6pPr>
-            <a:lvl7pPr marL="2971800" indent="-228600" eaLnBrk="0" fontAlgn="base" hangingPunct="0">
-              <a:lnSpc>
-                <a:spcPct val="90000"/>
-              </a:lnSpc>
-              <a:spcBef>
-                <a:spcPct val="20000"/>
-              </a:spcBef>
-              <a:spcAft>
-                <a:spcPct val="0"/>
-              </a:spcAft>
-              <a:defRPr>
-                <a:solidFill>
-                  <a:schemeClr val="tx1"/>
-                </a:solidFill>
-                <a:latin typeface="Tahoma" panose="020B0604030504040204" pitchFamily="34" charset="0"/>
-              </a:defRPr>
-            </a:lvl7pPr>
-            <a:lvl8pPr marL="3429000" indent="-228600" eaLnBrk="0" fontAlgn="base" hangingPunct="0">
-              <a:lnSpc>
-                <a:spcPct val="90000"/>
-              </a:lnSpc>
-              <a:spcBef>
-                <a:spcPct val="20000"/>
-              </a:spcBef>
-              <a:spcAft>
-                <a:spcPct val="0"/>
-              </a:spcAft>
-              <a:defRPr>
-                <a:solidFill>
-                  <a:schemeClr val="tx1"/>
-                </a:solidFill>
-                <a:latin typeface="Tahoma" panose="020B0604030504040204" pitchFamily="34" charset="0"/>
-              </a:defRPr>
-            </a:lvl8pPr>
-            <a:lvl9pPr marL="3886200" indent="-228600" eaLnBrk="0" fontAlgn="base" hangingPunct="0">
-              <a:lnSpc>
-                <a:spcPct val="90000"/>
-              </a:lnSpc>
-              <a:spcBef>
-                <a:spcPct val="20000"/>
-              </a:spcBef>
-              <a:spcAft>
-                <a:spcPct val="0"/>
-              </a:spcAft>
-              <a:defRPr>
-                <a:solidFill>
-                  <a:schemeClr val="tx1"/>
-                </a:solidFill>
-                <a:latin typeface="Tahoma" panose="020B0604030504040204" pitchFamily="34" charset="0"/>
-              </a:defRPr>
-            </a:lvl9pPr>
-          </a:lstStyle>
-          <a:p>
-            <a:pPr eaLnBrk="1" hangingPunct="1"/>
-            <a:r>
-              <a:rPr lang="sv-SE" altLang="en-US" sz="2400" dirty="0"/>
-              <a:t>Data: &lt;</a:t>
-            </a:r>
-            <a:r>
-              <a:rPr lang="sv-SE" altLang="en-US" sz="2400" b="1" dirty="0"/>
-              <a:t>x</a:t>
-            </a:r>
-            <a:r>
-              <a:rPr lang="sv-SE" altLang="en-US" sz="2400" baseline="-25000" dirty="0"/>
-              <a:t>i</a:t>
-            </a:r>
-            <a:r>
-              <a:rPr lang="sv-SE" altLang="en-US" sz="2400" dirty="0"/>
-              <a:t>,y</a:t>
-            </a:r>
-            <a:r>
-              <a:rPr lang="sv-SE" altLang="en-US" sz="2400" baseline="-25000" dirty="0"/>
-              <a:t>i</a:t>
-            </a:r>
-            <a:r>
-              <a:rPr lang="sv-SE" altLang="en-US" sz="2400" dirty="0"/>
-              <a:t>&gt;, i=1,..,l</a:t>
-            </a:r>
-          </a:p>
-          <a:p>
-            <a:pPr eaLnBrk="1" hangingPunct="1"/>
-            <a:r>
-              <a:rPr lang="sv-SE" altLang="en-US" sz="2400" b="1" dirty="0"/>
-              <a:t>x</a:t>
-            </a:r>
-            <a:r>
-              <a:rPr lang="sv-SE" altLang="en-US" sz="2400" baseline="-25000" dirty="0"/>
-              <a:t>i</a:t>
-            </a:r>
-            <a:r>
-              <a:rPr lang="sv-SE" altLang="en-US" sz="2400" dirty="0">
-                <a:sym typeface="Symbol" panose="05050102010706020507" pitchFamily="18" charset="2"/>
-              </a:rPr>
-              <a:t>  R</a:t>
-            </a:r>
-            <a:r>
-              <a:rPr lang="sv-SE" altLang="en-US" sz="2400" baseline="30000" dirty="0">
-                <a:sym typeface="Symbol" panose="05050102010706020507" pitchFamily="18" charset="2"/>
-              </a:rPr>
-              <a:t>d</a:t>
-            </a:r>
-          </a:p>
-          <a:p>
-            <a:pPr eaLnBrk="1" hangingPunct="1"/>
-            <a:r>
-              <a:rPr lang="sv-SE" altLang="en-US" sz="2400" dirty="0"/>
-              <a:t>y</a:t>
-            </a:r>
-            <a:r>
-              <a:rPr lang="sv-SE" altLang="en-US" sz="2400" baseline="-25000" dirty="0"/>
-              <a:t>i</a:t>
-            </a:r>
-            <a:r>
-              <a:rPr lang="sv-SE" altLang="en-US" sz="2400" dirty="0">
-                <a:sym typeface="Symbol" panose="05050102010706020507" pitchFamily="18" charset="2"/>
-              </a:rPr>
-              <a:t>  </a:t>
-            </a:r>
-            <a:r>
-              <a:rPr lang="sv-SE" altLang="en-US" sz="2400" dirty="0">
-                <a:cs typeface="Tahoma" panose="020B0604030504040204" pitchFamily="34" charset="0"/>
-                <a:sym typeface="Symbol" panose="05050102010706020507" pitchFamily="18" charset="2"/>
-              </a:rPr>
-              <a:t>{-1,+1}</a:t>
-            </a:r>
-            <a:endParaRPr lang="sv-SE" altLang="en-US" sz="2400" dirty="0"/>
-          </a:p>
-          <a:p>
-            <a:pPr eaLnBrk="1" hangingPunct="1"/>
-            <a:endParaRPr lang="sv-SE" altLang="en-US" sz="2400" dirty="0"/>
-          </a:p>
-        </p:txBody>
-      </p:sp>
       <p:sp>
         <p:nvSpPr>
           <p:cNvPr id="91" name="Rectangle 90">
@@ -51438,178 +51090,6 @@
       </p:sp>
       <p:sp>
         <p:nvSpPr>
-          <p:cNvPr id="57" name="Text Box 53">
-            <a:extLst>
-              <a:ext uri="{FF2B5EF4-FFF2-40B4-BE49-F238E27FC236}">
-                <a16:creationId xmlns:a16="http://schemas.microsoft.com/office/drawing/2014/main" id="{86476638-65A1-43F0-B080-7E87E023F251}"/>
-              </a:ext>
-            </a:extLst>
-          </p:cNvPr>
-          <p:cNvSpPr txBox="1">
-            <a:spLocks noChangeArrowheads="1"/>
-          </p:cNvSpPr>
-          <p:nvPr/>
-        </p:nvSpPr>
-        <p:spPr bwMode="auto">
-          <a:xfrm>
-            <a:off x="8527858" y="2003594"/>
-            <a:ext cx="2743200" cy="3970318"/>
-          </a:xfrm>
-          <a:prstGeom prst="rect">
-            <a:avLst/>
-          </a:prstGeom>
-          <a:noFill/>
-          <a:ln>
-            <a:noFill/>
-          </a:ln>
-          <a:effectLst/>
-          <a:extLst>
-            <a:ext uri="{909E8E84-426E-40DD-AFC4-6F175D3DCCD1}">
-              <a14:hiddenFill xmlns:a14="http://schemas.microsoft.com/office/drawing/2010/main">
-                <a:solidFill>
-                  <a:schemeClr val="accent1"/>
-                </a:solidFill>
-              </a14:hiddenFill>
-            </a:ext>
-            <a:ext uri="{91240B29-F687-4F45-9708-019B960494DF}">
-              <a14:hiddenLine xmlns:a14="http://schemas.microsoft.com/office/drawing/2010/main" w="12700">
-                <a:solidFill>
-                  <a:schemeClr val="folHlink"/>
-                </a:solidFill>
-                <a:miter lim="800000"/>
-                <a:headEnd/>
-                <a:tailEnd/>
-              </a14:hiddenLine>
-            </a:ext>
-            <a:ext uri="{AF507438-7753-43E0-B8FC-AC1667EBCBE1}">
-              <a14:hiddenEffects xmlns:a14="http://schemas.microsoft.com/office/drawing/2010/main">
-                <a:effectLst>
-                  <a:outerShdw dist="35921" dir="2700000" algn="ctr" rotWithShape="0">
-                    <a:schemeClr val="bg2"/>
-                  </a:outerShdw>
-                </a:effectLst>
-              </a14:hiddenEffects>
-            </a:ext>
-          </a:extLst>
-        </p:spPr>
-        <p:txBody>
-          <a:bodyPr>
-            <a:spAutoFit/>
-          </a:bodyPr>
-          <a:lstStyle/>
-          <a:p>
-            <a:pPr>
-              <a:spcBef>
-                <a:spcPct val="50000"/>
-              </a:spcBef>
-              <a:buClr>
-                <a:schemeClr val="tx1"/>
-              </a:buClr>
-            </a:pPr>
-            <a:r>
-              <a:rPr lang="en-US" altLang="en-US" dirty="0">
-                <a:latin typeface="Tahoma" panose="020B0604030504040204" pitchFamily="34" charset="0"/>
-              </a:rPr>
-              <a:t>The </a:t>
-            </a:r>
-            <a:r>
-              <a:rPr lang="en-US" altLang="en-US" dirty="0">
-                <a:solidFill>
-                  <a:schemeClr val="hlink"/>
-                </a:solidFill>
-                <a:latin typeface="Tahoma" panose="020B0604030504040204" pitchFamily="34" charset="0"/>
-              </a:rPr>
-              <a:t>maximum margin linear classifier</a:t>
-            </a:r>
-            <a:r>
-              <a:rPr lang="en-US" altLang="en-US" dirty="0">
-                <a:latin typeface="Tahoma" panose="020B0604030504040204" pitchFamily="34" charset="0"/>
-              </a:rPr>
-              <a:t> is the linear classifier with the, um, maximum margin.</a:t>
-            </a:r>
-          </a:p>
-          <a:p>
-            <a:pPr>
-              <a:spcBef>
-                <a:spcPct val="50000"/>
-              </a:spcBef>
-              <a:buClr>
-                <a:schemeClr val="tx1"/>
-              </a:buClr>
-            </a:pPr>
-            <a:r>
-              <a:rPr lang="en-US" altLang="en-US" dirty="0">
-                <a:latin typeface="Tahoma" panose="020B0604030504040204" pitchFamily="34" charset="0"/>
-              </a:rPr>
-              <a:t>This is the simplest kind of SVM (Called an LSVM)</a:t>
-            </a:r>
-          </a:p>
-        </p:txBody>
-      </p:sp>
-      <p:sp>
-        <p:nvSpPr>
-          <p:cNvPr id="58" name="AutoShape 54">
-            <a:extLst>
-              <a:ext uri="{FF2B5EF4-FFF2-40B4-BE49-F238E27FC236}">
-                <a16:creationId xmlns:a16="http://schemas.microsoft.com/office/drawing/2014/main" id="{CCE7B8FB-E724-48F4-A71C-D804879885B2}"/>
-              </a:ext>
-            </a:extLst>
-          </p:cNvPr>
-          <p:cNvSpPr>
-            <a:spLocks noChangeArrowheads="1"/>
-          </p:cNvSpPr>
-          <p:nvPr/>
-        </p:nvSpPr>
-        <p:spPr bwMode="auto">
-          <a:xfrm>
-            <a:off x="6568883" y="5815182"/>
-            <a:ext cx="1758950" cy="381000"/>
-          </a:xfrm>
-          <a:prstGeom prst="wedgeRectCallout">
-            <a:avLst>
-              <a:gd name="adj1" fmla="val 64713"/>
-              <a:gd name="adj2" fmla="val -86250"/>
-            </a:avLst>
-          </a:prstGeom>
-          <a:solidFill>
-            <a:schemeClr val="accent1">
-              <a:lumMod val="40000"/>
-              <a:lumOff val="60000"/>
-            </a:schemeClr>
-          </a:solidFill>
-          <a:ln w="12700">
-            <a:solidFill>
-              <a:schemeClr val="tx1"/>
-            </a:solidFill>
-            <a:miter lim="800000"/>
-            <a:headEnd/>
-            <a:tailEnd/>
-          </a:ln>
-          <a:effectLst/>
-        </p:spPr>
-        <p:txBody>
-          <a:bodyPr/>
-          <a:lstStyle/>
-          <a:p>
-            <a:pPr algn="ctr">
-              <a:spcBef>
-                <a:spcPct val="50000"/>
-              </a:spcBef>
-              <a:buClr>
-                <a:schemeClr val="tx1"/>
-              </a:buClr>
-            </a:pPr>
-            <a:r>
-              <a:rPr lang="en-US" altLang="en-US" sz="2000" dirty="0">
-                <a:latin typeface="Tahoma" panose="020B0604030504040204" pitchFamily="34" charset="0"/>
-              </a:rPr>
-              <a:t>Linear SVM</a:t>
-            </a:r>
-          </a:p>
-        </p:txBody>
-      </p:sp>
-      <p:sp>
-        <p:nvSpPr>
           <p:cNvPr id="62" name="TextBox 61">
             <a:extLst>
               <a:ext uri="{FF2B5EF4-FFF2-40B4-BE49-F238E27FC236}">
@@ -52603,247 +52083,6 @@
           </p:txBody>
         </p:sp>
       </p:grpSp>
-      <p:sp>
-        <p:nvSpPr>
-          <p:cNvPr id="88" name="Rectangle 34">
-            <a:extLst>
-              <a:ext uri="{FF2B5EF4-FFF2-40B4-BE49-F238E27FC236}">
-                <a16:creationId xmlns:a16="http://schemas.microsoft.com/office/drawing/2014/main" id="{EDE67931-05A2-4924-AF5A-25E82FA05F01}"/>
-              </a:ext>
-            </a:extLst>
-          </p:cNvPr>
-          <p:cNvSpPr>
-            <a:spLocks noChangeArrowheads="1"/>
-          </p:cNvSpPr>
-          <p:nvPr/>
-        </p:nvSpPr>
-        <p:spPr bwMode="auto">
-          <a:xfrm>
-            <a:off x="4750388" y="4304535"/>
-            <a:ext cx="3065463" cy="1625600"/>
-          </a:xfrm>
-          <a:prstGeom prst="rect">
-            <a:avLst/>
-          </a:prstGeom>
-          <a:noFill/>
-          <a:ln>
-            <a:noFill/>
-          </a:ln>
-          <a:extLst>
-            <a:ext uri="{909E8E84-426E-40DD-AFC4-6F175D3DCCD1}">
-              <a14:hiddenFill xmlns:a14="http://schemas.microsoft.com/office/drawing/2010/main">
-                <a:solidFill>
-                  <a:srgbClr val="FFFFFF"/>
-                </a:solidFill>
-              </a14:hiddenFill>
-            </a:ext>
-            <a:ext uri="{91240B29-F687-4F45-9708-019B960494DF}">
-              <a14:hiddenLine xmlns:a14="http://schemas.microsoft.com/office/drawing/2010/main" w="9525">
-                <a:solidFill>
-                  <a:srgbClr val="000000"/>
-                </a:solidFill>
-                <a:miter lim="800000"/>
-                <a:headEnd/>
-                <a:tailEnd/>
-              </a14:hiddenLine>
-            </a:ext>
-          </a:extLst>
-        </p:spPr>
-        <p:txBody>
-          <a:bodyPr wrap="none">
-            <a:spAutoFit/>
-          </a:bodyPr>
-          <a:lstStyle>
-            <a:lvl1pPr eaLnBrk="0" hangingPunct="0">
-              <a:defRPr>
-                <a:solidFill>
-                  <a:schemeClr val="tx1"/>
-                </a:solidFill>
-                <a:latin typeface="Tahoma" panose="020B0604030504040204" pitchFamily="34" charset="0"/>
-              </a:defRPr>
-            </a:lvl1pPr>
-            <a:lvl2pPr marL="742950" indent="-285750" eaLnBrk="0" hangingPunct="0">
-              <a:defRPr>
-                <a:solidFill>
-                  <a:schemeClr val="tx1"/>
-                </a:solidFill>
-                <a:latin typeface="Tahoma" panose="020B0604030504040204" pitchFamily="34" charset="0"/>
-              </a:defRPr>
-            </a:lvl2pPr>
-            <a:lvl3pPr marL="1143000" indent="-228600" eaLnBrk="0" hangingPunct="0">
-              <a:defRPr>
-                <a:solidFill>
-                  <a:schemeClr val="tx1"/>
-                </a:solidFill>
-                <a:latin typeface="Tahoma" panose="020B0604030504040204" pitchFamily="34" charset="0"/>
-              </a:defRPr>
-            </a:lvl3pPr>
-            <a:lvl4pPr marL="1600200" indent="-228600" eaLnBrk="0" hangingPunct="0">
-              <a:defRPr>
-                <a:solidFill>
-                  <a:schemeClr val="tx1"/>
-                </a:solidFill>
-                <a:latin typeface="Tahoma" panose="020B0604030504040204" pitchFamily="34" charset="0"/>
-              </a:defRPr>
-            </a:lvl4pPr>
-            <a:lvl5pPr marL="2057400" indent="-228600" eaLnBrk="0" hangingPunct="0">
-              <a:defRPr>
-                <a:solidFill>
-                  <a:schemeClr val="tx1"/>
-                </a:solidFill>
-                <a:latin typeface="Tahoma" panose="020B0604030504040204" pitchFamily="34" charset="0"/>
-              </a:defRPr>
-            </a:lvl5pPr>
-            <a:lvl6pPr marL="2514600" indent="-228600" eaLnBrk="0" fontAlgn="base" hangingPunct="0">
-              <a:lnSpc>
-                <a:spcPct val="90000"/>
-              </a:lnSpc>
-              <a:spcBef>
-                <a:spcPct val="20000"/>
-              </a:spcBef>
-              <a:spcAft>
-                <a:spcPct val="0"/>
-              </a:spcAft>
-              <a:defRPr>
-                <a:solidFill>
-                  <a:schemeClr val="tx1"/>
-                </a:solidFill>
-                <a:latin typeface="Tahoma" panose="020B0604030504040204" pitchFamily="34" charset="0"/>
-              </a:defRPr>
-            </a:lvl6pPr>
-            <a:lvl7pPr marL="2971800" indent="-228600" eaLnBrk="0" fontAlgn="base" hangingPunct="0">
-              <a:lnSpc>
-                <a:spcPct val="90000"/>
-              </a:lnSpc>
-              <a:spcBef>
-                <a:spcPct val="20000"/>
-              </a:spcBef>
-              <a:spcAft>
-                <a:spcPct val="0"/>
-              </a:spcAft>
-              <a:defRPr>
-                <a:solidFill>
-                  <a:schemeClr val="tx1"/>
-                </a:solidFill>
-                <a:latin typeface="Tahoma" panose="020B0604030504040204" pitchFamily="34" charset="0"/>
-              </a:defRPr>
-            </a:lvl7pPr>
-            <a:lvl8pPr marL="3429000" indent="-228600" eaLnBrk="0" fontAlgn="base" hangingPunct="0">
-              <a:lnSpc>
-                <a:spcPct val="90000"/>
-              </a:lnSpc>
-              <a:spcBef>
-                <a:spcPct val="20000"/>
-              </a:spcBef>
-              <a:spcAft>
-                <a:spcPct val="0"/>
-              </a:spcAft>
-              <a:defRPr>
-                <a:solidFill>
-                  <a:schemeClr val="tx1"/>
-                </a:solidFill>
-                <a:latin typeface="Tahoma" panose="020B0604030504040204" pitchFamily="34" charset="0"/>
-              </a:defRPr>
-            </a:lvl8pPr>
-            <a:lvl9pPr marL="3886200" indent="-228600" eaLnBrk="0" fontAlgn="base" hangingPunct="0">
-              <a:lnSpc>
-                <a:spcPct val="90000"/>
-              </a:lnSpc>
-              <a:spcBef>
-                <a:spcPct val="20000"/>
-              </a:spcBef>
-              <a:spcAft>
-                <a:spcPct val="0"/>
-              </a:spcAft>
-              <a:defRPr>
-                <a:solidFill>
-                  <a:schemeClr val="tx1"/>
-                </a:solidFill>
-                <a:latin typeface="Tahoma" panose="020B0604030504040204" pitchFamily="34" charset="0"/>
-              </a:defRPr>
-            </a:lvl9pPr>
-          </a:lstStyle>
-          <a:p>
-            <a:pPr eaLnBrk="1" hangingPunct="1"/>
-            <a:r>
-              <a:rPr lang="sv-SE" altLang="en-US" sz="2400" dirty="0"/>
-              <a:t>Data: &lt;</a:t>
-            </a:r>
-            <a:r>
-              <a:rPr lang="sv-SE" altLang="en-US" sz="2400" b="1" dirty="0"/>
-              <a:t>x</a:t>
-            </a:r>
-            <a:r>
-              <a:rPr lang="sv-SE" altLang="en-US" sz="2400" baseline="-25000" dirty="0"/>
-              <a:t>i</a:t>
-            </a:r>
-            <a:r>
-              <a:rPr lang="sv-SE" altLang="en-US" sz="2400" dirty="0"/>
-              <a:t>,y</a:t>
-            </a:r>
-            <a:r>
-              <a:rPr lang="sv-SE" altLang="en-US" sz="2400" baseline="-25000" dirty="0"/>
-              <a:t>i</a:t>
-            </a:r>
-            <a:r>
-              <a:rPr lang="sv-SE" altLang="en-US" sz="2400" dirty="0"/>
-              <a:t>&gt;, i=1,..,l</a:t>
-            </a:r>
-          </a:p>
-          <a:p>
-            <a:pPr eaLnBrk="1" hangingPunct="1"/>
-            <a:r>
-              <a:rPr lang="sv-SE" altLang="en-US" sz="2400" b="1" dirty="0"/>
-              <a:t>x</a:t>
-            </a:r>
-            <a:r>
-              <a:rPr lang="sv-SE" altLang="en-US" sz="2400" baseline="-25000" dirty="0"/>
-              <a:t>i</a:t>
-            </a:r>
-            <a:r>
-              <a:rPr lang="sv-SE" altLang="en-US" sz="2400" dirty="0">
-                <a:sym typeface="Symbol" panose="05050102010706020507" pitchFamily="18" charset="2"/>
-              </a:rPr>
-              <a:t>  R</a:t>
-            </a:r>
-            <a:r>
-              <a:rPr lang="sv-SE" altLang="en-US" sz="2400" baseline="30000" dirty="0">
-                <a:sym typeface="Symbol" panose="05050102010706020507" pitchFamily="18" charset="2"/>
-              </a:rPr>
-              <a:t>d</a:t>
-            </a:r>
-          </a:p>
-          <a:p>
-            <a:pPr eaLnBrk="1" hangingPunct="1"/>
-            <a:r>
-              <a:rPr lang="sv-SE" altLang="en-US" sz="2400" dirty="0"/>
-              <a:t>y</a:t>
-            </a:r>
-            <a:r>
-              <a:rPr lang="sv-SE" altLang="en-US" sz="2400" baseline="-25000" dirty="0"/>
-              <a:t>i</a:t>
-            </a:r>
-            <a:r>
-              <a:rPr lang="sv-SE" altLang="en-US" sz="2400" dirty="0">
-                <a:sym typeface="Symbol" panose="05050102010706020507" pitchFamily="18" charset="2"/>
-              </a:rPr>
-              <a:t>  </a:t>
-            </a:r>
-            <a:r>
-              <a:rPr lang="sv-SE" altLang="en-US" sz="2400" dirty="0">
-                <a:cs typeface="Tahoma" panose="020B0604030504040204" pitchFamily="34" charset="0"/>
-                <a:sym typeface="Symbol" panose="05050102010706020507" pitchFamily="18" charset="2"/>
-              </a:rPr>
-              <a:t>{-1,+1}</a:t>
-            </a:r>
-            <a:endParaRPr lang="sv-SE" altLang="en-US" sz="2400" dirty="0"/>
-          </a:p>
-          <a:p>
-            <a:pPr eaLnBrk="1" hangingPunct="1"/>
-            <a:endParaRPr lang="sv-SE" altLang="en-US" sz="2400" dirty="0"/>
-          </a:p>
-        </p:txBody>
-      </p:sp>
       <p:sp>
         <p:nvSpPr>
           <p:cNvPr id="91" name="Rectangle 90">
@@ -52960,7 +52199,7 @@
         <p:spPr bwMode="auto">
           <a:xfrm>
             <a:off x="4334776" y="1844952"/>
-            <a:ext cx="3597446" cy="1015663"/>
+            <a:ext cx="3377004" cy="1015663"/>
           </a:xfrm>
           <a:prstGeom prst="rect">
             <a:avLst/>
@@ -53103,7 +52342,7 @@
         <p:spPr bwMode="auto">
           <a:xfrm>
             <a:off x="7866215" y="1690062"/>
-            <a:ext cx="3768830" cy="3477875"/>
+            <a:ext cx="3768830" cy="2862322"/>
           </a:xfrm>
           <a:prstGeom prst="rect">
             <a:avLst/>
@@ -53259,7 +52498,7 @@
               <a:rPr lang="en-US" altLang="en-US" sz="2000" dirty="0">
                 <a:latin typeface="Tahoma" panose="020B0604030504040204" pitchFamily="34" charset="0"/>
               </a:rPr>
-              <a:t>If we’ve made a small error in the location of the boundary (it’s been jolted in its perpendicular direction) this gives us least chance of causing a misclassification.</a:t>
+              <a:t>If we’ve made a small error in the location of the boundary, this gives us the least chance of causing a misclassification.</a:t>
             </a:r>
           </a:p>
           <a:p>
@@ -53277,19 +52516,7 @@
               <a:rPr lang="en-US" altLang="en-US" sz="2000" dirty="0">
                 <a:latin typeface="Tahoma" panose="020B0604030504040204" pitchFamily="34" charset="0"/>
               </a:rPr>
-              <a:t>Empirically it works very </a:t>
-            </a:r>
-            <a:r>
-              <a:rPr lang="en-US" altLang="en-US" sz="2000" dirty="0" err="1">
-                <a:latin typeface="Tahoma" panose="020B0604030504040204" pitchFamily="34" charset="0"/>
-              </a:rPr>
-              <a:t>very</a:t>
-            </a:r>
-            <a:r>
-              <a:rPr lang="en-US" altLang="en-US" sz="2000" dirty="0">
-                <a:latin typeface="Tahoma" panose="020B0604030504040204" pitchFamily="34" charset="0"/>
-              </a:rPr>
-              <a:t> well.</a:t>
+              <a:t>Empirically it works very, very well.</a:t>
             </a:r>
           </a:p>
         </p:txBody>
@@ -53331,6 +52558,28 @@
 
 <file path=ppt/tags/tag10.xml><?xml version="1.0" encoding="utf-8"?>
 <p:tagLst xmlns:a="http://schemas.openxmlformats.org/drawingml/2006/main" xmlns:r="http://schemas.openxmlformats.org/officeDocument/2006/relationships" xmlns:p="http://schemas.openxmlformats.org/presentationml/2006/main">
+  <p:tag name="SOURCE" val="\documentclass{slides}\pagestyle{empty}&#10;\begin{document}&#10;\[&#10;\mathbf{w}\]&#10;\end{document}&#10;"/>
+  <p:tag name="EXTERNALNAME" val="txp_fig"/>
+  <p:tag name="BLEND" val="False"/>
+  <p:tag name="TRANSPARENT" val="False"/>
+  <p:tag name="KEEPFILES" val="False"/>
+  <p:tag name="DEBUGPAUSE" val="False"/>
+  <p:tag name="RESOLUTION" val="1200"/>
+  <p:tag name="TIMEOUT" val="(none)"/>
+  <p:tag name="BOXWIDTH" val="348"/>
+  <p:tag name="BOXHEIGHT" val="306"/>
+  <p:tag name="BOXFONT" val="10"/>
+  <p:tag name="BOXWRAP" val="False"/>
+  <p:tag name="WORKAROUNDTRANSPARENCYBUG" val="False"/>
+  <p:tag name="BITMAPFORMAT" val="pngmono"/>
+  <p:tag name="DEBUGINTERACTIVE" val="True"/>
+  <p:tag name="ORIGWIDTH" val="17"/>
+  <p:tag name="PICTUREFILESIZE" val="895"/>
+</p:tagLst>
+</file>
+
+<file path=ppt/tags/tag11.xml><?xml version="1.0" encoding="utf-8"?>
+<p:tagLst xmlns:a="http://schemas.openxmlformats.org/drawingml/2006/main" xmlns:r="http://schemas.openxmlformats.org/officeDocument/2006/relationships" xmlns:p="http://schemas.openxmlformats.org/presentationml/2006/main">
   <p:tag name="SOURCE" val="\documentclass{slides}\pagestyle{empty}&#10;\begin{document}&#10;\[&#10;\mathbf{w}^T \mathbf{x} + b = 0&#10;\]&#10;\end{document}&#10;"/>
   <p:tag name="EXTERNALNAME" val="txp_fig"/>
   <p:tag name="BLEND" val="False"/>
@@ -53351,7 +52600,7 @@
 </p:tagLst>
 </file>
 
-<file path=ppt/tags/tag11.xml><?xml version="1.0" encoding="utf-8"?>
+<file path=ppt/tags/tag12.xml><?xml version="1.0" encoding="utf-8"?>
 <p:tagLst xmlns:a="http://schemas.openxmlformats.org/drawingml/2006/main" xmlns:r="http://schemas.openxmlformats.org/officeDocument/2006/relationships" xmlns:p="http://schemas.openxmlformats.org/presentationml/2006/main">
   <p:tag name="SOURCE" val="\documentclass{slides}\pagestyle{empty}&#10;\begin{document}&#10;\[&#10;\mathbf{w}^T \mathbf{x} + b = 1&#10;\]&#10;\end{document}&#10;"/>
   <p:tag name="EXTERNALNAME" val="txp_fig"/>
@@ -53373,7 +52622,7 @@
 </p:tagLst>
 </file>
 
-<file path=ppt/tags/tag12.xml><?xml version="1.0" encoding="utf-8"?>
+<file path=ppt/tags/tag13.xml><?xml version="1.0" encoding="utf-8"?>
 <p:tagLst xmlns:a="http://schemas.openxmlformats.org/drawingml/2006/main" xmlns:r="http://schemas.openxmlformats.org/officeDocument/2006/relationships" xmlns:p="http://schemas.openxmlformats.org/presentationml/2006/main">
   <p:tag name="SOURCE" val="\documentclass{slides}\pagestyle{empty}&#10;\begin{document}&#10;\[&#10;\mathbf{w}^T \mathbf{x} + b = -1&#10;\]&#10;\end{document}&#10;"/>
   <p:tag name="EXTERNALNAME" val="txp_fig"/>
@@ -53395,7 +52644,7 @@
 </p:tagLst>
 </file>
 
-<file path=ppt/tags/tag13.xml><?xml version="1.0" encoding="utf-8"?>
+<file path=ppt/tags/tag14.xml><?xml version="1.0" encoding="utf-8"?>
 <p:tagLst xmlns:a="http://schemas.openxmlformats.org/drawingml/2006/main" xmlns:r="http://schemas.openxmlformats.org/officeDocument/2006/relationships" xmlns:p="http://schemas.openxmlformats.org/presentationml/2006/main">
   <p:tag name="SOURCE" val="\documentclass{slides}\pagestyle{empty}&#10;\begin{document}&#10;\[&#10;\mathbf{w}\]&#10;\end{document}&#10;"/>
   <p:tag name="EXTERNALNAME" val="txp_fig"/>
@@ -53419,6 +52668,28 @@
 
 <file path=ppt/tags/tag2.xml><?xml version="1.0" encoding="utf-8"?>
 <p:tagLst xmlns:a="http://schemas.openxmlformats.org/drawingml/2006/main" xmlns:r="http://schemas.openxmlformats.org/officeDocument/2006/relationships" xmlns:p="http://schemas.openxmlformats.org/presentationml/2006/main">
+  <p:tag name="SOURCE" val="\documentclass{slides}\pagestyle{empty}&#10;\begin{document}&#10;\[&#10;\mathbf{w}\]&#10;\end{document}&#10;"/>
+  <p:tag name="EXTERNALNAME" val="txp_fig"/>
+  <p:tag name="BLEND" val="False"/>
+  <p:tag name="TRANSPARENT" val="False"/>
+  <p:tag name="KEEPFILES" val="False"/>
+  <p:tag name="DEBUGPAUSE" val="False"/>
+  <p:tag name="RESOLUTION" val="1200"/>
+  <p:tag name="TIMEOUT" val="(none)"/>
+  <p:tag name="BOXWIDTH" val="348"/>
+  <p:tag name="BOXHEIGHT" val="306"/>
+  <p:tag name="BOXFONT" val="10"/>
+  <p:tag name="BOXWRAP" val="False"/>
+  <p:tag name="WORKAROUNDTRANSPARENCYBUG" val="False"/>
+  <p:tag name="BITMAPFORMAT" val="pngmono"/>
+  <p:tag name="DEBUGINTERACTIVE" val="True"/>
+  <p:tag name="ORIGWIDTH" val="17"/>
+  <p:tag name="PICTUREFILESIZE" val="895"/>
+</p:tagLst>
+</file>
+
+<file path=ppt/tags/tag3.xml><?xml version="1.0" encoding="utf-8"?>
+<p:tagLst xmlns:a="http://schemas.openxmlformats.org/drawingml/2006/main" xmlns:r="http://schemas.openxmlformats.org/officeDocument/2006/relationships" xmlns:p="http://schemas.openxmlformats.org/presentationml/2006/main">
   <p:tag name="SOURCE" val="\documentclass{slides}\pagestyle{empty}&#10;\begin{document}&#10;\[&#10;\mathbf{w}^T \mathbf{x} + b = 0&#10;\]&#10;\end{document}&#10;"/>
   <p:tag name="EXTERNALNAME" val="txp_fig"/>
   <p:tag name="BLEND" val="False"/>
@@ -53439,7 +52710,7 @@
 </p:tagLst>
 </file>
 
-<file path=ppt/tags/tag3.xml><?xml version="1.0" encoding="utf-8"?>
+<file path=ppt/tags/tag4.xml><?xml version="1.0" encoding="utf-8"?>
 <p:tagLst xmlns:a="http://schemas.openxmlformats.org/drawingml/2006/main" xmlns:r="http://schemas.openxmlformats.org/officeDocument/2006/relationships" xmlns:p="http://schemas.openxmlformats.org/presentationml/2006/main">
   <p:tag name="SOURCE" val="\documentclass{slides}\pagestyle{empty}&#10;\begin{document}&#10;\[&#10;\mathbf{w}^T \mathbf{x} + b = 1&#10;\]&#10;\end{document}&#10;"/>
   <p:tag name="EXTERNALNAME" val="txp_fig"/>
@@ -53461,7 +52732,7 @@
 </p:tagLst>
 </file>
 
-<file path=ppt/tags/tag4.xml><?xml version="1.0" encoding="utf-8"?>
+<file path=ppt/tags/tag5.xml><?xml version="1.0" encoding="utf-8"?>
 <p:tagLst xmlns:a="http://schemas.openxmlformats.org/drawingml/2006/main" xmlns:r="http://schemas.openxmlformats.org/officeDocument/2006/relationships" xmlns:p="http://schemas.openxmlformats.org/presentationml/2006/main">
   <p:tag name="SOURCE" val="\documentclass{slides}\pagestyle{empty}&#10;\begin{document}&#10;\[&#10;\mathbf{w}^T \mathbf{x} + b = -1&#10;\]&#10;\end{document}&#10;"/>
   <p:tag name="EXTERNALNAME" val="txp_fig"/>
@@ -53483,7 +52754,7 @@
 </p:tagLst>
 </file>
 
-<file path=ppt/tags/tag5.xml><?xml version="1.0" encoding="utf-8"?>
+<file path=ppt/tags/tag6.xml><?xml version="1.0" encoding="utf-8"?>
 <p:tagLst xmlns:a="http://schemas.openxmlformats.org/drawingml/2006/main" xmlns:r="http://schemas.openxmlformats.org/officeDocument/2006/relationships" xmlns:p="http://schemas.openxmlformats.org/presentationml/2006/main">
   <p:tag name="SOURCE" val="\documentclass{slides}\pagestyle{empty}&#10;\begin{document}&#10;\[&#10;\mathbf{w}\]&#10;\end{document}&#10;"/>
   <p:tag name="EXTERNALNAME" val="txp_fig"/>
@@ -53505,7 +52776,7 @@
 </p:tagLst>
 </file>
 
-<file path=ppt/tags/tag6.xml><?xml version="1.0" encoding="utf-8"?>
+<file path=ppt/tags/tag7.xml><?xml version="1.0" encoding="utf-8"?>
 <p:tagLst xmlns:a="http://schemas.openxmlformats.org/drawingml/2006/main" xmlns:r="http://schemas.openxmlformats.org/officeDocument/2006/relationships" xmlns:p="http://schemas.openxmlformats.org/presentationml/2006/main">
   <p:tag name="SOURCE" val="\documentclass{slides}\pagestyle{empty}&#10;\begin{document}&#10;\[&#10;\mathbf{w}^T \mathbf{x} + b = 0&#10;\]&#10;\end{document}&#10;"/>
   <p:tag name="EXTERNALNAME" val="txp_fig"/>
@@ -53527,7 +52798,7 @@
 </p:tagLst>
 </file>
 
-<file path=ppt/tags/tag7.xml><?xml version="1.0" encoding="utf-8"?>
+<file path=ppt/tags/tag8.xml><?xml version="1.0" encoding="utf-8"?>
 <p:tagLst xmlns:a="http://schemas.openxmlformats.org/drawingml/2006/main" xmlns:r="http://schemas.openxmlformats.org/officeDocument/2006/relationships" xmlns:p="http://schemas.openxmlformats.org/presentationml/2006/main">
   <p:tag name="SOURCE" val="\documentclass{slides}\pagestyle{empty}&#10;\begin{document}&#10;\[&#10;\mathbf{w}^T \mathbf{x} + b = 1&#10;\]&#10;\end{document}&#10;"/>
   <p:tag name="EXTERNALNAME" val="txp_fig"/>
@@ -53549,7 +52820,7 @@
 </p:tagLst>
 </file>
 
-<file path=ppt/tags/tag8.xml><?xml version="1.0" encoding="utf-8"?>
+<file path=ppt/tags/tag9.xml><?xml version="1.0" encoding="utf-8"?>
 <p:tagLst xmlns:a="http://schemas.openxmlformats.org/drawingml/2006/main" xmlns:r="http://schemas.openxmlformats.org/officeDocument/2006/relationships" xmlns:p="http://schemas.openxmlformats.org/presentationml/2006/main">
   <p:tag name="SOURCE" val="\documentclass{slides}\pagestyle{empty}&#10;\begin{document}&#10;\[&#10;\mathbf{w}^T \mathbf{x} + b = -1&#10;\]&#10;\end{document}&#10;"/>
   <p:tag name="EXTERNALNAME" val="txp_fig"/>
@@ -53568,28 +52839,6 @@
   <p:tag name="DEBUGINTERACTIVE" val="True"/>
   <p:tag name="ORIGWIDTH" val="138"/>
   <p:tag name="PICTUREFILESIZE" val="4634"/>
-</p:tagLst>
-</file>
-
-<file path=ppt/tags/tag9.xml><?xml version="1.0" encoding="utf-8"?>
-<p:tagLst xmlns:a="http://schemas.openxmlformats.org/drawingml/2006/main" xmlns:r="http://schemas.openxmlformats.org/officeDocument/2006/relationships" xmlns:p="http://schemas.openxmlformats.org/presentationml/2006/main">
-  <p:tag name="SOURCE" val="\documentclass{slides}\pagestyle{empty}&#10;\begin{document}&#10;\[&#10;\mathbf{w}\]&#10;\end{document}&#10;"/>
-  <p:tag name="EXTERNALNAME" val="txp_fig"/>
-  <p:tag name="BLEND" val="False"/>
-  <p:tag name="TRANSPARENT" val="False"/>
-  <p:tag name="KEEPFILES" val="False"/>
-  <p:tag name="DEBUGPAUSE" val="False"/>
-  <p:tag name="RESOLUTION" val="1200"/>
-  <p:tag name="TIMEOUT" val="(none)"/>
-  <p:tag name="BOXWIDTH" val="348"/>
-  <p:tag name="BOXHEIGHT" val="306"/>
-  <p:tag name="BOXFONT" val="10"/>
-  <p:tag name="BOXWRAP" val="False"/>
-  <p:tag name="WORKAROUNDTRANSPARENCYBUG" val="False"/>
-  <p:tag name="BITMAPFORMAT" val="pngmono"/>
-  <p:tag name="DEBUGINTERACTIVE" val="True"/>
-  <p:tag name="ORIGWIDTH" val="17"/>
-  <p:tag name="PICTUREFILESIZE" val="895"/>
 </p:tagLst>
 </file>
 

--- a/Syllabus/Lecture07/Lec07.pptx
+++ b/Syllabus/Lecture07/Lec07.pptx
@@ -289,7 +289,7 @@
           <a:p>
             <a:fld id="{DF9C6931-D0F6-AB40-9D7F-95567148A5C2}" type="datetimeFigureOut">
               <a:rPr lang="en-US" smtClean="0"/>
-              <a:t>9/19/22</a:t>
+              <a:t>10/4/22</a:t>
             </a:fld>
             <a:endParaRPr lang="en-US"/>
           </a:p>
@@ -638,7 +638,7 @@
           <a:p>
             <a:fld id="{736C18F2-6801-5147-A332-A6E1C7D69D18}" type="datetimeFigureOut">
               <a:rPr lang="en-US" smtClean="0"/>
-              <a:t>9/19/22</a:t>
+              <a:t>10/4/22</a:t>
             </a:fld>
             <a:endParaRPr lang="en-US"/>
           </a:p>

--- a/Syllabus/Lecture07/Lec07.pptx
+++ b/Syllabus/Lecture07/Lec07.pptx
@@ -289,7 +289,7 @@
           <a:p>
             <a:fld id="{DF9C6931-D0F6-AB40-9D7F-95567148A5C2}" type="datetimeFigureOut">
               <a:rPr lang="en-US" smtClean="0"/>
-              <a:t>10/4/22</a:t>
+              <a:t>10/5/22</a:t>
             </a:fld>
             <a:endParaRPr lang="en-US"/>
           </a:p>
@@ -638,7 +638,7 @@
           <a:p>
             <a:fld id="{736C18F2-6801-5147-A332-A6E1C7D69D18}" type="datetimeFigureOut">
               <a:rPr lang="en-US" smtClean="0"/>
-              <a:t>10/4/22</a:t>
+              <a:t>10/5/22</a:t>
             </a:fld>
             <a:endParaRPr lang="en-US"/>
           </a:p>
